--- a/Documents/ClientPresent3FOREAL.pptx
+++ b/Documents/ClientPresent3FOREAL.pptx
@@ -5,7 +5,7 @@
     <p:sldMasterId id="2147483660" r:id="rId1"/>
   </p:sldMasterIdLst>
   <p:notesMasterIdLst>
-    <p:notesMasterId r:id="rId27"/>
+    <p:notesMasterId r:id="rId29"/>
   </p:notesMasterIdLst>
   <p:sldIdLst>
     <p:sldId id="256" r:id="rId2"/>
@@ -31,8 +31,10 @@
     <p:sldId id="277" r:id="rId22"/>
     <p:sldId id="278" r:id="rId23"/>
     <p:sldId id="279" r:id="rId24"/>
-    <p:sldId id="280" r:id="rId25"/>
-    <p:sldId id="281" r:id="rId26"/>
+    <p:sldId id="282" r:id="rId25"/>
+    <p:sldId id="283" r:id="rId26"/>
+    <p:sldId id="280" r:id="rId27"/>
+    <p:sldId id="281" r:id="rId28"/>
   </p:sldIdLst>
   <p:sldSz cx="12192000" cy="6858000"/>
   <p:notesSz cx="6858000" cy="9144000"/>
@@ -1602,9 +1604,8 @@
           <a:p>
             <a:r>
               <a:rPr lang="en-US" dirty="0" smtClean="0"/>
-              <a:t>Andrew</a:t>
-            </a:r>
-            <a:endParaRPr lang="en-US" dirty="0"/>
+              <a:t>Christine</a:t>
+            </a:r>
           </a:p>
         </p:txBody>
       </p:sp>
@@ -6298,8 +6299,8 @@
           </a:p>
         </p:txBody>
       </p:sp>
-      <mc:AlternateContent xmlns:mc="http://schemas.openxmlformats.org/markup-compatibility/2006">
-        <mc:Choice xmlns:a14="http://schemas.microsoft.com/office/drawing/2010/main" Requires="a14">
+      <mc:AlternateContent xmlns:mc="http://schemas.openxmlformats.org/markup-compatibility/2006" xmlns:a14="http://schemas.microsoft.com/office/drawing/2010/main">
+        <mc:Choice Requires="a14">
           <p:sp>
             <p:nvSpPr>
               <p:cNvPr id="3" name="Content Placeholder 2"/>
@@ -6486,7 +6487,7 @@
             </p:txBody>
           </p:sp>
         </mc:Choice>
-        <mc:Fallback>
+        <mc:Fallback xmlns="">
           <p:sp>
             <p:nvSpPr>
               <p:cNvPr id="3" name="Content Placeholder 2"/>
@@ -6524,8 +6525,8 @@
           </p:sp>
         </mc:Fallback>
       </mc:AlternateContent>
-      <mc:AlternateContent xmlns:mc="http://schemas.openxmlformats.org/markup-compatibility/2006">
-        <mc:Choice xmlns:a14="http://schemas.microsoft.com/office/drawing/2010/main" Requires="a14">
+      <mc:AlternateContent xmlns:mc="http://schemas.openxmlformats.org/markup-compatibility/2006" xmlns:a14="http://schemas.microsoft.com/office/drawing/2010/main">
+        <mc:Choice Requires="a14">
           <p:sp>
             <p:nvSpPr>
               <p:cNvPr id="4" name="Content Placeholder 3"/>
@@ -6711,7 +6712,7 @@
             </p:txBody>
           </p:sp>
         </mc:Choice>
-        <mc:Fallback>
+        <mc:Fallback xmlns="">
           <p:sp>
             <p:nvSpPr>
               <p:cNvPr id="4" name="Content Placeholder 3"/>
@@ -7891,10 +7892,10 @@
           <a:lstStyle/>
           <a:p>
             <a:r>
-              <a:rPr lang="en-US" dirty="0" smtClean="0"/>
+              <a:rPr lang="en-US" sz="6600" b="1" dirty="0" smtClean="0"/>
               <a:t>Prototype</a:t>
             </a:r>
-            <a:endParaRPr lang="en-US" dirty="0"/>
+            <a:endParaRPr lang="en-US" b="1" dirty="0"/>
           </a:p>
         </p:txBody>
       </p:sp>
@@ -7999,6 +8000,237 @@
             <a:spLocks noGrp="1"/>
           </p:cNvSpPr>
           <p:nvPr>
+            <p:ph type="title"/>
+          </p:nvPr>
+        </p:nvSpPr>
+        <p:spPr/>
+        <p:txBody>
+          <a:bodyPr/>
+          <a:lstStyle/>
+          <a:p>
+            <a:endParaRPr lang="en-US"/>
+          </a:p>
+        </p:txBody>
+      </p:sp>
+      <p:pic>
+        <p:nvPicPr>
+          <p:cNvPr id="4" name="Shape 121"/>
+          <p:cNvPicPr preferRelativeResize="0">
+            <a:picLocks noGrp="1"/>
+          </p:cNvPicPr>
+          <p:nvPr>
+            <p:ph idx="1"/>
+          </p:nvPr>
+        </p:nvPicPr>
+        <p:blipFill rotWithShape="1">
+          <a:blip r:embed="rId2">
+            <a:alphaModFix/>
+          </a:blip>
+          <a:srcRect l="-1720" t="-1360" r="-2411" b="-2142"/>
+          <a:stretch/>
+        </p:blipFill>
+        <p:spPr>
+          <a:xfrm>
+            <a:off x="3353678" y="703385"/>
+            <a:ext cx="4547676" cy="5579086"/>
+          </a:xfrm>
+          <a:prstGeom prst="rect">
+            <a:avLst/>
+          </a:prstGeom>
+          <a:solidFill>
+            <a:srgbClr val="FFFFFF">
+              <a:shade val="85000"/>
+            </a:srgbClr>
+          </a:solidFill>
+          <a:ln w="88900" cap="sq">
+            <a:solidFill>
+              <a:srgbClr val="FFFFFF"/>
+            </a:solidFill>
+            <a:miter lim="800000"/>
+          </a:ln>
+          <a:effectLst>
+            <a:outerShdw blurRad="55000" dist="18000" dir="5400000" algn="tl" rotWithShape="0">
+              <a:srgbClr val="000000">
+                <a:alpha val="40000"/>
+              </a:srgbClr>
+            </a:outerShdw>
+          </a:effectLst>
+          <a:scene3d>
+            <a:camera prst="orthographicFront"/>
+            <a:lightRig rig="twoPt" dir="t">
+              <a:rot lat="0" lon="0" rev="7200000"/>
+            </a:lightRig>
+          </a:scene3d>
+          <a:sp3d>
+            <a:bevelT w="25400" h="19050"/>
+            <a:contourClr>
+              <a:srgbClr val="FFFFFF"/>
+            </a:contourClr>
+          </a:sp3d>
+        </p:spPr>
+      </p:pic>
+    </p:spTree>
+    <p:extLst>
+      <p:ext uri="{BB962C8B-B14F-4D97-AF65-F5344CB8AC3E}">
+        <p14:creationId xmlns:p14="http://schemas.microsoft.com/office/powerpoint/2010/main" val="2625261577"/>
+      </p:ext>
+    </p:extLst>
+  </p:cSld>
+  <p:clrMapOvr>
+    <a:masterClrMapping/>
+  </p:clrMapOvr>
+  <p:timing>
+    <p:tnLst>
+      <p:par>
+        <p:cTn id="1" dur="indefinite" restart="never" nodeType="tmRoot"/>
+      </p:par>
+    </p:tnLst>
+  </p:timing>
+</p:sld>
+</file>
+
+<file path=ppt/slides/slide25.xml><?xml version="1.0" encoding="utf-8"?>
+<p:sld xmlns:a="http://schemas.openxmlformats.org/drawingml/2006/main" xmlns:r="http://schemas.openxmlformats.org/officeDocument/2006/relationships" xmlns:p="http://schemas.openxmlformats.org/presentationml/2006/main">
+  <p:cSld>
+    <p:spTree>
+      <p:nvGrpSpPr>
+        <p:cNvPr id="1" name=""/>
+        <p:cNvGrpSpPr/>
+        <p:nvPr/>
+      </p:nvGrpSpPr>
+      <p:grpSpPr>
+        <a:xfrm>
+          <a:off x="0" y="0"/>
+          <a:ext cx="0" cy="0"/>
+          <a:chOff x="0" y="0"/>
+          <a:chExt cx="0" cy="0"/>
+        </a:xfrm>
+      </p:grpSpPr>
+      <p:sp>
+        <p:nvSpPr>
+          <p:cNvPr id="2" name="Title 1"/>
+          <p:cNvSpPr>
+            <a:spLocks noGrp="1"/>
+          </p:cNvSpPr>
+          <p:nvPr>
+            <p:ph type="title"/>
+          </p:nvPr>
+        </p:nvSpPr>
+        <p:spPr/>
+        <p:txBody>
+          <a:bodyPr/>
+          <a:lstStyle/>
+          <a:p>
+            <a:endParaRPr lang="en-US"/>
+          </a:p>
+        </p:txBody>
+      </p:sp>
+      <p:pic>
+        <p:nvPicPr>
+          <p:cNvPr id="4" name="Content Placeholder 3"/>
+          <p:cNvPicPr>
+            <a:picLocks noGrp="1" noChangeAspect="1"/>
+          </p:cNvPicPr>
+          <p:nvPr>
+            <p:ph idx="1"/>
+          </p:nvPr>
+        </p:nvPicPr>
+        <p:blipFill>
+          <a:blip r:embed="rId2">
+            <a:extLst>
+              <a:ext uri="{28A0092B-C50C-407E-A947-70E740481C1C}">
+                <a14:useLocalDpi xmlns:a14="http://schemas.microsoft.com/office/drawing/2010/main" val="0"/>
+              </a:ext>
+            </a:extLst>
+          </a:blip>
+          <a:stretch>
+            <a:fillRect/>
+          </a:stretch>
+        </p:blipFill>
+        <p:spPr>
+          <a:xfrm>
+            <a:off x="2577266" y="761935"/>
+            <a:ext cx="7037467" cy="5334130"/>
+          </a:xfrm>
+          <a:prstGeom prst="rect">
+            <a:avLst/>
+          </a:prstGeom>
+          <a:solidFill>
+            <a:srgbClr val="FFFFFF">
+              <a:shade val="85000"/>
+            </a:srgbClr>
+          </a:solidFill>
+          <a:ln w="88900" cap="sq">
+            <a:solidFill>
+              <a:srgbClr val="FFFFFF"/>
+            </a:solidFill>
+            <a:miter lim="800000"/>
+          </a:ln>
+          <a:effectLst>
+            <a:outerShdw blurRad="55000" dist="18000" dir="5400000" algn="tl" rotWithShape="0">
+              <a:srgbClr val="000000">
+                <a:alpha val="40000"/>
+              </a:srgbClr>
+            </a:outerShdw>
+          </a:effectLst>
+          <a:scene3d>
+            <a:camera prst="orthographicFront"/>
+            <a:lightRig rig="twoPt" dir="t">
+              <a:rot lat="0" lon="0" rev="7200000"/>
+            </a:lightRig>
+          </a:scene3d>
+          <a:sp3d>
+            <a:bevelT w="25400" h="19050"/>
+            <a:contourClr>
+              <a:srgbClr val="FFFFFF"/>
+            </a:contourClr>
+          </a:sp3d>
+        </p:spPr>
+      </p:pic>
+    </p:spTree>
+    <p:extLst>
+      <p:ext uri="{BB962C8B-B14F-4D97-AF65-F5344CB8AC3E}">
+        <p14:creationId xmlns:p14="http://schemas.microsoft.com/office/powerpoint/2010/main" val="2534318499"/>
+      </p:ext>
+    </p:extLst>
+  </p:cSld>
+  <p:clrMapOvr>
+    <a:masterClrMapping/>
+  </p:clrMapOvr>
+  <p:timing>
+    <p:tnLst>
+      <p:par>
+        <p:cTn id="1" dur="indefinite" restart="never" nodeType="tmRoot"/>
+      </p:par>
+    </p:tnLst>
+  </p:timing>
+</p:sld>
+</file>
+
+<file path=ppt/slides/slide26.xml><?xml version="1.0" encoding="utf-8"?>
+<p:sld xmlns:a="http://schemas.openxmlformats.org/drawingml/2006/main" xmlns:r="http://schemas.openxmlformats.org/officeDocument/2006/relationships" xmlns:p="http://schemas.openxmlformats.org/presentationml/2006/main">
+  <p:cSld>
+    <p:spTree>
+      <p:nvGrpSpPr>
+        <p:cNvPr id="1" name=""/>
+        <p:cNvGrpSpPr/>
+        <p:nvPr/>
+      </p:nvGrpSpPr>
+      <p:grpSpPr>
+        <a:xfrm>
+          <a:off x="0" y="0"/>
+          <a:ext cx="0" cy="0"/>
+          <a:chOff x="0" y="0"/>
+          <a:chExt cx="0" cy="0"/>
+        </a:xfrm>
+      </p:grpSpPr>
+      <p:sp>
+        <p:nvSpPr>
+          <p:cNvPr id="2" name="Title 1"/>
+          <p:cNvSpPr>
+            <a:spLocks noGrp="1"/>
+          </p:cNvSpPr>
+          <p:nvPr>
             <p:ph type="ctrTitle"/>
           </p:nvPr>
         </p:nvSpPr>
@@ -8056,7 +8288,7 @@
 </p:sld>
 </file>
 
-<file path=ppt/slides/slide25.xml><?xml version="1.0" encoding="utf-8"?>
+<file path=ppt/slides/slide27.xml><?xml version="1.0" encoding="utf-8"?>
 <p:sld xmlns:a="http://schemas.openxmlformats.org/drawingml/2006/main" xmlns:r="http://schemas.openxmlformats.org/officeDocument/2006/relationships" xmlns:p="http://schemas.openxmlformats.org/presentationml/2006/main">
   <p:cSld>
     <p:spTree>
@@ -8466,37 +8698,49 @@
           </a:p>
           <a:p>
             <a:r>
-              <a:rPr lang="en-US" sz="2500" dirty="0" smtClean="0"/>
-              <a:t>Routing Tables</a:t>
-            </a:r>
-          </a:p>
-          <a:p>
-            <a:endParaRPr lang="en-US" sz="2500" dirty="0" smtClean="0"/>
-          </a:p>
-          <a:p>
-            <a:r>
-              <a:rPr lang="en-US" sz="2500" dirty="0" smtClean="0"/>
-              <a:t>USB to Ethernet Cords</a:t>
-            </a:r>
-          </a:p>
-          <a:p>
-            <a:endParaRPr lang="en-US" sz="2500" dirty="0" smtClean="0"/>
-          </a:p>
-          <a:p>
-            <a:r>
-              <a:rPr lang="en-US" sz="2500" dirty="0" smtClean="0"/>
+              <a:rPr lang="en-US" sz="2500" dirty="0"/>
               <a:t>Python </a:t>
             </a:r>
           </a:p>
           <a:p>
-            <a:endParaRPr lang="en-US" sz="2500" dirty="0" smtClean="0"/>
+            <a:endParaRPr lang="en-US" sz="2500" dirty="0"/>
           </a:p>
           <a:p>
             <a:r>
               <a:rPr lang="en-US" sz="2500" dirty="0" err="1" smtClean="0"/>
               <a:t>Pyplot</a:t>
             </a:r>
+            <a:endParaRPr lang="en-US" sz="2500" dirty="0" smtClean="0"/>
+          </a:p>
+          <a:p>
             <a:endParaRPr lang="en-US" sz="2500" dirty="0"/>
+          </a:p>
+          <a:p>
+            <a:r>
+              <a:rPr lang="en-US" sz="2500" dirty="0" smtClean="0"/>
+              <a:t>Routing </a:t>
+            </a:r>
+            <a:r>
+              <a:rPr lang="en-US" sz="2500" dirty="0" smtClean="0"/>
+              <a:t>Tables</a:t>
+            </a:r>
+          </a:p>
+          <a:p>
+            <a:endParaRPr lang="en-US" sz="2500" dirty="0" smtClean="0"/>
+          </a:p>
+          <a:p>
+            <a:r>
+              <a:rPr lang="en-US" sz="2500" dirty="0" smtClean="0"/>
+              <a:t>USB to </a:t>
+            </a:r>
+            <a:r>
+              <a:rPr lang="en-US" sz="2500" dirty="0" smtClean="0"/>
+              <a:t>Ethernet</a:t>
+            </a:r>
+            <a:endParaRPr lang="en-US" sz="2500" dirty="0" smtClean="0"/>
+          </a:p>
+          <a:p>
+            <a:endParaRPr lang="en-US" sz="2500" dirty="0" smtClean="0"/>
           </a:p>
         </p:txBody>
       </p:sp>
@@ -8586,7 +8830,15 @@
           <a:p>
             <a:r>
               <a:rPr lang="en-US" sz="3200" dirty="0" smtClean="0"/>
-              <a:t>Benchmark PINPACK on multiple number of devices</a:t>
+              <a:t>Benchmark </a:t>
+            </a:r>
+            <a:r>
+              <a:rPr lang="en-US" sz="3200" dirty="0" smtClean="0"/>
+              <a:t>LINPACK </a:t>
+            </a:r>
+            <a:r>
+              <a:rPr lang="en-US" sz="3200" dirty="0" smtClean="0"/>
+              <a:t>on multiple number of devices</a:t>
             </a:r>
           </a:p>
           <a:p>
@@ -8621,7 +8873,11 @@
           <a:p>
             <a:r>
               <a:rPr lang="en-US" sz="3200" dirty="0" smtClean="0"/>
-              <a:t>USP and GPIO</a:t>
+              <a:t>USB </a:t>
+            </a:r>
+            <a:r>
+              <a:rPr lang="en-US" sz="3200" dirty="0" smtClean="0"/>
+              <a:t>and GPIO</a:t>
             </a:r>
           </a:p>
           <a:p>
@@ -8655,71 +8911,85 @@
         </p:nvSpPr>
         <p:spPr>
           <a:xfrm>
-            <a:off x="6172200" y="1825625"/>
+            <a:off x="6172200" y="1710959"/>
             <a:ext cx="5181600" cy="4868252"/>
           </a:xfrm>
         </p:spPr>
         <p:txBody>
           <a:bodyPr>
-            <a:normAutofit lnSpcReduction="10000"/>
+            <a:noAutofit/>
           </a:bodyPr>
           <a:lstStyle/>
           <a:p>
             <a:r>
-              <a:rPr lang="en-US" dirty="0" smtClean="0"/>
-              <a:t>MICS Conference</a:t>
+              <a:rPr lang="en-US" sz="3200" dirty="0"/>
+              <a:t>Topology Design</a:t>
             </a:r>
           </a:p>
           <a:p>
             <a:pPr lvl="1"/>
             <a:r>
-              <a:rPr lang="en-US" dirty="0" smtClean="0"/>
+              <a:rPr lang="en-US" sz="2800" dirty="0"/>
+              <a:t>Ring and </a:t>
+            </a:r>
+            <a:r>
+              <a:rPr lang="en-US" sz="2800" dirty="0" smtClean="0"/>
+              <a:t>hypercube</a:t>
+            </a:r>
+          </a:p>
+          <a:p>
+            <a:pPr lvl="1"/>
+            <a:endParaRPr lang="en-US" sz="2800" dirty="0"/>
+          </a:p>
+          <a:p>
+            <a:r>
+              <a:rPr lang="en-US" sz="3200" dirty="0"/>
+              <a:t>Routing </a:t>
+            </a:r>
+            <a:r>
+              <a:rPr lang="en-US" sz="3200" dirty="0" smtClean="0"/>
+              <a:t>tables</a:t>
+            </a:r>
+          </a:p>
+          <a:p>
+            <a:endParaRPr lang="en-US" dirty="0"/>
+          </a:p>
+          <a:p>
+            <a:r>
+              <a:rPr lang="en-US" sz="3200" dirty="0" smtClean="0"/>
+              <a:t>MICS </a:t>
+            </a:r>
+            <a:r>
+              <a:rPr lang="en-US" sz="3200" dirty="0" smtClean="0"/>
+              <a:t>Conference</a:t>
+            </a:r>
+          </a:p>
+          <a:p>
+            <a:pPr lvl="1"/>
+            <a:r>
+              <a:rPr lang="en-US" sz="2800" dirty="0" smtClean="0"/>
               <a:t>Paper and abstract</a:t>
             </a:r>
           </a:p>
           <a:p>
+            <a:pPr marL="0" indent="0">
+              <a:buNone/>
+            </a:pPr>
+            <a:endParaRPr lang="en-US" dirty="0" smtClean="0"/>
+          </a:p>
+          <a:p>
+            <a:r>
+              <a:rPr lang="en-US" sz="3200" dirty="0" smtClean="0"/>
+              <a:t>SDSMT Research Symposium</a:t>
+            </a:r>
+          </a:p>
+          <a:p>
             <a:pPr lvl="1"/>
-            <a:endParaRPr lang="en-US" dirty="0" smtClean="0"/>
-          </a:p>
-          <a:p>
-            <a:r>
-              <a:rPr lang="en-US" dirty="0" smtClean="0"/>
-              <a:t>Topology Design</a:t>
-            </a:r>
-          </a:p>
-          <a:p>
-            <a:pPr lvl="1"/>
-            <a:r>
-              <a:rPr lang="en-US" dirty="0" smtClean="0"/>
-              <a:t>Ring and hypercube</a:t>
-            </a:r>
-          </a:p>
-          <a:p>
-            <a:pPr lvl="1"/>
-            <a:endParaRPr lang="en-US" dirty="0" smtClean="0"/>
-          </a:p>
-          <a:p>
-            <a:r>
-              <a:rPr lang="en-US" dirty="0" smtClean="0"/>
-              <a:t>Routing tables</a:t>
-            </a:r>
-          </a:p>
-          <a:p>
-            <a:endParaRPr lang="en-US" dirty="0" smtClean="0"/>
-          </a:p>
-          <a:p>
-            <a:r>
-              <a:rPr lang="en-US" dirty="0" smtClean="0"/>
-              <a:t>SDSMT Research Symposium</a:t>
-            </a:r>
-          </a:p>
-          <a:p>
-            <a:pPr lvl="1"/>
-            <a:r>
-              <a:rPr lang="en-US" dirty="0" smtClean="0"/>
+            <a:r>
+              <a:rPr lang="en-US" sz="2800" dirty="0" smtClean="0"/>
               <a:t>Abstract</a:t>
             </a:r>
-            <a:endParaRPr lang="en-US" dirty="0"/>
+            <a:endParaRPr lang="en-US" sz="2800" dirty="0"/>
           </a:p>
         </p:txBody>
       </p:sp>

--- a/Documents/ClientPresent3FOREAL.pptx
+++ b/Documents/ClientPresent3FOREAL.pptx
@@ -5,7 +5,7 @@
     <p:sldMasterId id="2147483660" r:id="rId1"/>
   </p:sldMasterIdLst>
   <p:notesMasterIdLst>
-    <p:notesMasterId r:id="rId29"/>
+    <p:notesMasterId r:id="rId28"/>
   </p:notesMasterIdLst>
   <p:sldIdLst>
     <p:sldId id="256" r:id="rId2"/>
@@ -15,17 +15,17 @@
     <p:sldId id="260" r:id="rId6"/>
     <p:sldId id="261" r:id="rId7"/>
     <p:sldId id="262" r:id="rId8"/>
-    <p:sldId id="263" r:id="rId9"/>
-    <p:sldId id="264" r:id="rId10"/>
-    <p:sldId id="265" r:id="rId11"/>
-    <p:sldId id="266" r:id="rId12"/>
-    <p:sldId id="269" r:id="rId13"/>
-    <p:sldId id="268" r:id="rId14"/>
-    <p:sldId id="270" r:id="rId15"/>
-    <p:sldId id="271" r:id="rId16"/>
-    <p:sldId id="273" r:id="rId17"/>
-    <p:sldId id="272" r:id="rId18"/>
-    <p:sldId id="274" r:id="rId19"/>
+    <p:sldId id="284" r:id="rId9"/>
+    <p:sldId id="265" r:id="rId10"/>
+    <p:sldId id="266" r:id="rId11"/>
+    <p:sldId id="269" r:id="rId12"/>
+    <p:sldId id="268" r:id="rId13"/>
+    <p:sldId id="270" r:id="rId14"/>
+    <p:sldId id="271" r:id="rId15"/>
+    <p:sldId id="273" r:id="rId16"/>
+    <p:sldId id="272" r:id="rId17"/>
+    <p:sldId id="274" r:id="rId18"/>
+    <p:sldId id="281" r:id="rId19"/>
     <p:sldId id="275" r:id="rId20"/>
     <p:sldId id="276" r:id="rId21"/>
     <p:sldId id="277" r:id="rId22"/>
@@ -34,7 +34,6 @@
     <p:sldId id="282" r:id="rId25"/>
     <p:sldId id="283" r:id="rId26"/>
     <p:sldId id="280" r:id="rId27"/>
-    <p:sldId id="281" r:id="rId28"/>
   </p:sldIdLst>
   <p:sldSz cx="12192000" cy="6858000"/>
   <p:notesSz cx="6858000" cy="9144000"/>
@@ -234,7 +233,7 @@
           <a:p>
             <a:fld id="{A190CE02-652C-454C-AD8F-CA01EDD078EE}" type="datetimeFigureOut">
               <a:rPr lang="en-US" smtClean="0"/>
-              <a:t>3/22/2016</a:t>
+              <a:t>3/23/2016</a:t>
             </a:fld>
             <a:endParaRPr lang="en-US"/>
           </a:p>
@@ -668,7 +667,7 @@
     </p:spTree>
     <p:extLst>
       <p:ext uri="{BB962C8B-B14F-4D97-AF65-F5344CB8AC3E}">
-        <p14:creationId xmlns:p14="http://schemas.microsoft.com/office/powerpoint/2010/main" val="2490913940"/>
+        <p14:creationId xmlns:p14="http://schemas.microsoft.com/office/powerpoint/2010/main" val="2708841151"/>
       </p:ext>
     </p:extLst>
   </p:cSld>
@@ -724,7 +723,19 @@
           <a:p>
             <a:r>
               <a:rPr lang="en-US" dirty="0" smtClean="0"/>
-              <a:t>Andrew</a:t>
+              <a:t>Christine</a:t>
+            </a:r>
+            <a:r>
+              <a:rPr lang="en-US" baseline="0" dirty="0" smtClean="0"/>
+              <a:t> – Add example </a:t>
+            </a:r>
+            <a:r>
+              <a:rPr lang="en-US" baseline="0" dirty="0" err="1" smtClean="0"/>
+              <a:t>ip</a:t>
+            </a:r>
+            <a:r>
+              <a:rPr lang="en-US" baseline="0" dirty="0" smtClean="0"/>
+              <a:t> addresses</a:t>
             </a:r>
             <a:endParaRPr lang="en-US" dirty="0"/>
           </a:p>
@@ -756,7 +767,7 @@
     </p:spTree>
     <p:extLst>
       <p:ext uri="{BB962C8B-B14F-4D97-AF65-F5344CB8AC3E}">
-        <p14:creationId xmlns:p14="http://schemas.microsoft.com/office/powerpoint/2010/main" val="2708841151"/>
+        <p14:creationId xmlns:p14="http://schemas.microsoft.com/office/powerpoint/2010/main" val="4184941846"/>
       </p:ext>
     </p:extLst>
   </p:cSld>
@@ -812,7 +823,7 @@
           <a:p>
             <a:r>
               <a:rPr lang="en-US" dirty="0" smtClean="0"/>
-              <a:t>Andrew</a:t>
+              <a:t>Christine</a:t>
             </a:r>
             <a:endParaRPr lang="en-US" dirty="0"/>
           </a:p>
@@ -844,7 +855,7 @@
     </p:spTree>
     <p:extLst>
       <p:ext uri="{BB962C8B-B14F-4D97-AF65-F5344CB8AC3E}">
-        <p14:creationId xmlns:p14="http://schemas.microsoft.com/office/powerpoint/2010/main" val="4184941846"/>
+        <p14:creationId xmlns:p14="http://schemas.microsoft.com/office/powerpoint/2010/main" val="3965971039"/>
       </p:ext>
     </p:extLst>
   </p:cSld>
@@ -900,7 +911,7 @@
           <a:p>
             <a:r>
               <a:rPr lang="en-US" dirty="0" smtClean="0"/>
-              <a:t>Christine</a:t>
+              <a:t>Andrew</a:t>
             </a:r>
             <a:endParaRPr lang="en-US" dirty="0"/>
           </a:p>
@@ -932,7 +943,7 @@
     </p:spTree>
     <p:extLst>
       <p:ext uri="{BB962C8B-B14F-4D97-AF65-F5344CB8AC3E}">
-        <p14:creationId xmlns:p14="http://schemas.microsoft.com/office/powerpoint/2010/main" val="3965971039"/>
+        <p14:creationId xmlns:p14="http://schemas.microsoft.com/office/powerpoint/2010/main" val="3328018328"/>
       </p:ext>
     </p:extLst>
   </p:cSld>
@@ -988,7 +999,7 @@
           <a:p>
             <a:r>
               <a:rPr lang="en-US" dirty="0" smtClean="0"/>
-              <a:t>Andrew</a:t>
+              <a:t>Christine</a:t>
             </a:r>
             <a:endParaRPr lang="en-US" dirty="0"/>
           </a:p>
@@ -1020,7 +1031,7 @@
     </p:spTree>
     <p:extLst>
       <p:ext uri="{BB962C8B-B14F-4D97-AF65-F5344CB8AC3E}">
-        <p14:creationId xmlns:p14="http://schemas.microsoft.com/office/powerpoint/2010/main" val="3328018328"/>
+        <p14:creationId xmlns:p14="http://schemas.microsoft.com/office/powerpoint/2010/main" val="197218289"/>
       </p:ext>
     </p:extLst>
   </p:cSld>
@@ -1108,7 +1119,7 @@
     </p:spTree>
     <p:extLst>
       <p:ext uri="{BB962C8B-B14F-4D97-AF65-F5344CB8AC3E}">
-        <p14:creationId xmlns:p14="http://schemas.microsoft.com/office/powerpoint/2010/main" val="197218289"/>
+        <p14:creationId xmlns:p14="http://schemas.microsoft.com/office/powerpoint/2010/main" val="2129328481"/>
       </p:ext>
     </p:extLst>
   </p:cSld>
@@ -1196,7 +1207,7 @@
     </p:spTree>
     <p:extLst>
       <p:ext uri="{BB962C8B-B14F-4D97-AF65-F5344CB8AC3E}">
-        <p14:creationId xmlns:p14="http://schemas.microsoft.com/office/powerpoint/2010/main" val="2129328481"/>
+        <p14:creationId xmlns:p14="http://schemas.microsoft.com/office/powerpoint/2010/main" val="959878069"/>
       </p:ext>
     </p:extLst>
   </p:cSld>
@@ -1252,7 +1263,7 @@
           <a:p>
             <a:r>
               <a:rPr lang="en-US" dirty="0" smtClean="0"/>
-              <a:t>Christine</a:t>
+              <a:t>Andrew</a:t>
             </a:r>
             <a:endParaRPr lang="en-US" dirty="0"/>
           </a:p>
@@ -1284,7 +1295,7 @@
     </p:spTree>
     <p:extLst>
       <p:ext uri="{BB962C8B-B14F-4D97-AF65-F5344CB8AC3E}">
-        <p14:creationId xmlns:p14="http://schemas.microsoft.com/office/powerpoint/2010/main" val="959878069"/>
+        <p14:creationId xmlns:p14="http://schemas.microsoft.com/office/powerpoint/2010/main" val="2955683584"/>
       </p:ext>
     </p:extLst>
   </p:cSld>
@@ -1340,7 +1351,7 @@
           <a:p>
             <a:r>
               <a:rPr lang="en-US" dirty="0" smtClean="0"/>
-              <a:t>Andrew</a:t>
+              <a:t>Christine</a:t>
             </a:r>
             <a:endParaRPr lang="en-US" dirty="0"/>
           </a:p>
@@ -1372,7 +1383,7 @@
     </p:spTree>
     <p:extLst>
       <p:ext uri="{BB962C8B-B14F-4D97-AF65-F5344CB8AC3E}">
-        <p14:creationId xmlns:p14="http://schemas.microsoft.com/office/powerpoint/2010/main" val="2955683584"/>
+        <p14:creationId xmlns:p14="http://schemas.microsoft.com/office/powerpoint/2010/main" val="4056129074"/>
       </p:ext>
     </p:extLst>
   </p:cSld>
@@ -2219,7 +2230,7 @@
           <a:p>
             <a:r>
               <a:rPr lang="en-US" dirty="0" smtClean="0"/>
-              <a:t>Andrew and Christine</a:t>
+              <a:t>Andrew</a:t>
             </a:r>
             <a:endParaRPr lang="en-US" dirty="0"/>
           </a:p>
@@ -2307,7 +2318,7 @@
           <a:p>
             <a:r>
               <a:rPr lang="en-US" dirty="0" smtClean="0"/>
-              <a:t>Andrew and Christine</a:t>
+              <a:t>Andrew</a:t>
             </a:r>
             <a:endParaRPr lang="en-US" dirty="0"/>
           </a:p>
@@ -2339,7 +2350,7 @@
     </p:spTree>
     <p:extLst>
       <p:ext uri="{BB962C8B-B14F-4D97-AF65-F5344CB8AC3E}">
-        <p14:creationId xmlns:p14="http://schemas.microsoft.com/office/powerpoint/2010/main" val="2834738745"/>
+        <p14:creationId xmlns:p14="http://schemas.microsoft.com/office/powerpoint/2010/main" val="1469620524"/>
       </p:ext>
     </p:extLst>
   </p:cSld>
@@ -2395,7 +2406,7 @@
           <a:p>
             <a:r>
               <a:rPr lang="en-US" dirty="0" smtClean="0"/>
-              <a:t>Andrew and Christine</a:t>
+              <a:t>Andrew</a:t>
             </a:r>
             <a:endParaRPr lang="en-US" dirty="0"/>
           </a:p>
@@ -2427,7 +2438,7 @@
     </p:spTree>
     <p:extLst>
       <p:ext uri="{BB962C8B-B14F-4D97-AF65-F5344CB8AC3E}">
-        <p14:creationId xmlns:p14="http://schemas.microsoft.com/office/powerpoint/2010/main" val="1151013719"/>
+        <p14:creationId xmlns:p14="http://schemas.microsoft.com/office/powerpoint/2010/main" val="2490913940"/>
       </p:ext>
     </p:extLst>
   </p:cSld>
@@ -2568,7 +2579,7 @@
           <a:p>
             <a:fld id="{7A02A13A-248D-459A-9C6F-19761A2FC98F}" type="datetimeFigureOut">
               <a:rPr lang="en-US" smtClean="0"/>
-              <a:t>3/22/2016</a:t>
+              <a:t>3/23/2016</a:t>
             </a:fld>
             <a:endParaRPr lang="en-US"/>
           </a:p>
@@ -2738,7 +2749,7 @@
           <a:p>
             <a:fld id="{7A02A13A-248D-459A-9C6F-19761A2FC98F}" type="datetimeFigureOut">
               <a:rPr lang="en-US" smtClean="0"/>
-              <a:t>3/22/2016</a:t>
+              <a:t>3/23/2016</a:t>
             </a:fld>
             <a:endParaRPr lang="en-US"/>
           </a:p>
@@ -2918,7 +2929,7 @@
           <a:p>
             <a:fld id="{7A02A13A-248D-459A-9C6F-19761A2FC98F}" type="datetimeFigureOut">
               <a:rPr lang="en-US" smtClean="0"/>
-              <a:t>3/22/2016</a:t>
+              <a:t>3/23/2016</a:t>
             </a:fld>
             <a:endParaRPr lang="en-US"/>
           </a:p>
@@ -3088,7 +3099,7 @@
           <a:p>
             <a:fld id="{7A02A13A-248D-459A-9C6F-19761A2FC98F}" type="datetimeFigureOut">
               <a:rPr lang="en-US" smtClean="0"/>
-              <a:t>3/22/2016</a:t>
+              <a:t>3/23/2016</a:t>
             </a:fld>
             <a:endParaRPr lang="en-US"/>
           </a:p>
@@ -3334,7 +3345,7 @@
           <a:p>
             <a:fld id="{7A02A13A-248D-459A-9C6F-19761A2FC98F}" type="datetimeFigureOut">
               <a:rPr lang="en-US" smtClean="0"/>
-              <a:t>3/22/2016</a:t>
+              <a:t>3/23/2016</a:t>
             </a:fld>
             <a:endParaRPr lang="en-US"/>
           </a:p>
@@ -3566,7 +3577,7 @@
           <a:p>
             <a:fld id="{7A02A13A-248D-459A-9C6F-19761A2FC98F}" type="datetimeFigureOut">
               <a:rPr lang="en-US" smtClean="0"/>
-              <a:t>3/22/2016</a:t>
+              <a:t>3/23/2016</a:t>
             </a:fld>
             <a:endParaRPr lang="en-US"/>
           </a:p>
@@ -3933,7 +3944,7 @@
           <a:p>
             <a:fld id="{7A02A13A-248D-459A-9C6F-19761A2FC98F}" type="datetimeFigureOut">
               <a:rPr lang="en-US" smtClean="0"/>
-              <a:t>3/22/2016</a:t>
+              <a:t>3/23/2016</a:t>
             </a:fld>
             <a:endParaRPr lang="en-US"/>
           </a:p>
@@ -4051,7 +4062,7 @@
           <a:p>
             <a:fld id="{7A02A13A-248D-459A-9C6F-19761A2FC98F}" type="datetimeFigureOut">
               <a:rPr lang="en-US" smtClean="0"/>
-              <a:t>3/22/2016</a:t>
+              <a:t>3/23/2016</a:t>
             </a:fld>
             <a:endParaRPr lang="en-US"/>
           </a:p>
@@ -4146,7 +4157,7 @@
           <a:p>
             <a:fld id="{7A02A13A-248D-459A-9C6F-19761A2FC98F}" type="datetimeFigureOut">
               <a:rPr lang="en-US" smtClean="0"/>
-              <a:t>3/22/2016</a:t>
+              <a:t>3/23/2016</a:t>
             </a:fld>
             <a:endParaRPr lang="en-US"/>
           </a:p>
@@ -4423,7 +4434,7 @@
           <a:p>
             <a:fld id="{7A02A13A-248D-459A-9C6F-19761A2FC98F}" type="datetimeFigureOut">
               <a:rPr lang="en-US" smtClean="0"/>
-              <a:t>3/22/2016</a:t>
+              <a:t>3/23/2016</a:t>
             </a:fld>
             <a:endParaRPr lang="en-US"/>
           </a:p>
@@ -4680,7 +4691,7 @@
           <a:p>
             <a:fld id="{7A02A13A-248D-459A-9C6F-19761A2FC98F}" type="datetimeFigureOut">
               <a:rPr lang="en-US" smtClean="0"/>
-              <a:t>3/22/2016</a:t>
+              <a:t>3/23/2016</a:t>
             </a:fld>
             <a:endParaRPr lang="en-US"/>
           </a:p>
@@ -4893,7 +4904,7 @@
           <a:p>
             <a:fld id="{7A02A13A-248D-459A-9C6F-19761A2FC98F}" type="datetimeFigureOut">
               <a:rPr lang="en-US" smtClean="0"/>
-              <a:t>3/22/2016</a:t>
+              <a:t>3/23/2016</a:t>
             </a:fld>
             <a:endParaRPr lang="en-US"/>
           </a:p>
@@ -5446,163 +5457,6 @@
           <a:p>
             <a:r>
               <a:rPr lang="en-US" sz="6600" b="1" dirty="0" smtClean="0"/>
-              <a:t>Star Topology</a:t>
-            </a:r>
-            <a:endParaRPr lang="en-US" sz="6600" b="1" dirty="0"/>
-          </a:p>
-        </p:txBody>
-      </p:sp>
-      <p:sp>
-        <p:nvSpPr>
-          <p:cNvPr id="3" name="Content Placeholder 2"/>
-          <p:cNvSpPr>
-            <a:spLocks noGrp="1"/>
-          </p:cNvSpPr>
-          <p:nvPr>
-            <p:ph sz="half" idx="1"/>
-          </p:nvPr>
-        </p:nvSpPr>
-        <p:spPr/>
-        <p:txBody>
-          <a:bodyPr>
-            <a:normAutofit/>
-          </a:bodyPr>
-          <a:lstStyle/>
-          <a:p>
-            <a:r>
-              <a:rPr lang="en-US" sz="3200" dirty="0" smtClean="0"/>
-              <a:t>Initial setup</a:t>
-            </a:r>
-          </a:p>
-          <a:p>
-            <a:endParaRPr lang="en-US" sz="3200" dirty="0" smtClean="0"/>
-          </a:p>
-          <a:p>
-            <a:r>
-              <a:rPr lang="en-US" sz="3200" dirty="0" smtClean="0"/>
-              <a:t>Each dwarf connected to an unmanaged switch</a:t>
-            </a:r>
-            <a:endParaRPr lang="en-US" sz="3200" dirty="0"/>
-          </a:p>
-        </p:txBody>
-      </p:sp>
-      <p:pic>
-        <p:nvPicPr>
-          <p:cNvPr id="5" name="Content Placeholder 4"/>
-          <p:cNvPicPr>
-            <a:picLocks noGrp="1" noChangeAspect="1"/>
-          </p:cNvPicPr>
-          <p:nvPr>
-            <p:ph sz="half" idx="2"/>
-          </p:nvPr>
-        </p:nvPicPr>
-        <p:blipFill rotWithShape="1">
-          <a:blip r:embed="rId3">
-            <a:extLst>
-              <a:ext uri="{28A0092B-C50C-407E-A947-70E740481C1C}">
-                <a14:useLocalDpi xmlns:a14="http://schemas.microsoft.com/office/drawing/2010/main" val="0"/>
-              </a:ext>
-            </a:extLst>
-          </a:blip>
-          <a:srcRect l="-3466" t="-1804" r="-3393" b="-1864"/>
-          <a:stretch/>
-        </p:blipFill>
-        <p:spPr>
-          <a:xfrm>
-            <a:off x="6990080" y="507683"/>
-            <a:ext cx="3759200" cy="5669280"/>
-          </a:xfrm>
-          <a:prstGeom prst="rect">
-            <a:avLst/>
-          </a:prstGeom>
-          <a:solidFill>
-            <a:srgbClr val="FFFFFF">
-              <a:shade val="85000"/>
-            </a:srgbClr>
-          </a:solidFill>
-          <a:ln w="88900" cap="sq">
-            <a:solidFill>
-              <a:srgbClr val="FFFFFF"/>
-            </a:solidFill>
-            <a:miter lim="800000"/>
-          </a:ln>
-          <a:effectLst>
-            <a:outerShdw blurRad="55000" dist="18000" dir="5400000" algn="tl" rotWithShape="0">
-              <a:srgbClr val="000000">
-                <a:alpha val="40000"/>
-              </a:srgbClr>
-            </a:outerShdw>
-          </a:effectLst>
-          <a:scene3d>
-            <a:camera prst="orthographicFront"/>
-            <a:lightRig rig="twoPt" dir="t">
-              <a:rot lat="0" lon="0" rev="7200000"/>
-            </a:lightRig>
-          </a:scene3d>
-          <a:sp3d>
-            <a:bevelT w="25400" h="19050"/>
-            <a:contourClr>
-              <a:srgbClr val="FFFFFF"/>
-            </a:contourClr>
-          </a:sp3d>
-        </p:spPr>
-      </p:pic>
-    </p:spTree>
-    <p:extLst>
-      <p:ext uri="{BB962C8B-B14F-4D97-AF65-F5344CB8AC3E}">
-        <p14:creationId xmlns:p14="http://schemas.microsoft.com/office/powerpoint/2010/main" val="1690296771"/>
-      </p:ext>
-    </p:extLst>
-  </p:cSld>
-  <p:clrMapOvr>
-    <a:masterClrMapping/>
-  </p:clrMapOvr>
-  <p:timing>
-    <p:tnLst>
-      <p:par>
-        <p:cTn id="1" dur="indefinite" restart="never" nodeType="tmRoot"/>
-      </p:par>
-    </p:tnLst>
-  </p:timing>
-</p:sld>
-</file>
-
-<file path=ppt/slides/slide11.xml><?xml version="1.0" encoding="utf-8"?>
-<p:sld xmlns:a="http://schemas.openxmlformats.org/drawingml/2006/main" xmlns:r="http://schemas.openxmlformats.org/officeDocument/2006/relationships" xmlns:p="http://schemas.openxmlformats.org/presentationml/2006/main">
-  <p:cSld>
-    <p:spTree>
-      <p:nvGrpSpPr>
-        <p:cNvPr id="1" name=""/>
-        <p:cNvGrpSpPr/>
-        <p:nvPr/>
-      </p:nvGrpSpPr>
-      <p:grpSpPr>
-        <a:xfrm>
-          <a:off x="0" y="0"/>
-          <a:ext cx="0" cy="0"/>
-          <a:chOff x="0" y="0"/>
-          <a:chExt cx="0" cy="0"/>
-        </a:xfrm>
-      </p:grpSpPr>
-      <p:sp>
-        <p:nvSpPr>
-          <p:cNvPr id="2" name="Title 1"/>
-          <p:cNvSpPr>
-            <a:spLocks noGrp="1"/>
-          </p:cNvSpPr>
-          <p:nvPr>
-            <p:ph type="title"/>
-          </p:nvPr>
-        </p:nvSpPr>
-        <p:spPr/>
-        <p:txBody>
-          <a:bodyPr>
-            <a:normAutofit/>
-          </a:bodyPr>
-          <a:lstStyle/>
-          <a:p>
-            <a:r>
-              <a:rPr lang="en-US" sz="6600" b="1" dirty="0" smtClean="0"/>
               <a:t>Routing Table</a:t>
             </a:r>
             <a:endParaRPr lang="en-US" sz="6600" b="1" dirty="0"/>
@@ -5690,7 +5544,7 @@
 </p:sld>
 </file>
 
-<file path=ppt/slides/slide12.xml><?xml version="1.0" encoding="utf-8"?>
+<file path=ppt/slides/slide11.xml><?xml version="1.0" encoding="utf-8"?>
 <p:sld xmlns:a="http://schemas.openxmlformats.org/drawingml/2006/main" xmlns:r="http://schemas.openxmlformats.org/officeDocument/2006/relationships" xmlns:p="http://schemas.openxmlformats.org/presentationml/2006/main">
   <p:cSld>
     <p:spTree>
@@ -5789,6 +5643,36 @@
           </a:sp3d>
         </p:spPr>
       </p:pic>
+      <p:sp>
+        <p:nvSpPr>
+          <p:cNvPr id="3" name="TextBox 2"/>
+          <p:cNvSpPr txBox="1"/>
+          <p:nvPr/>
+        </p:nvSpPr>
+        <p:spPr>
+          <a:xfrm>
+            <a:off x="1195364" y="1690688"/>
+            <a:ext cx="4325816" cy="369332"/>
+          </a:xfrm>
+          <a:prstGeom prst="rect">
+            <a:avLst/>
+          </a:prstGeom>
+          <a:noFill/>
+        </p:spPr>
+        <p:txBody>
+          <a:bodyPr wrap="square" rtlCol="0">
+            <a:spAutoFit/>
+          </a:bodyPr>
+          <a:lstStyle/>
+          <a:p>
+            <a:r>
+              <a:rPr lang="en-US" dirty="0" smtClean="0"/>
+              <a:t>192.168.X.Y</a:t>
+            </a:r>
+            <a:endParaRPr lang="en-US" dirty="0"/>
+          </a:p>
+        </p:txBody>
+      </p:sp>
     </p:spTree>
     <p:extLst>
       <p:ext uri="{BB962C8B-B14F-4D97-AF65-F5344CB8AC3E}">
@@ -5809,7 +5693,7 @@
 </p:sld>
 </file>
 
-<file path=ppt/slides/slide13.xml><?xml version="1.0" encoding="utf-8"?>
+<file path=ppt/slides/slide12.xml><?xml version="1.0" encoding="utf-8"?>
 <p:sld xmlns:a="http://schemas.openxmlformats.org/drawingml/2006/main" xmlns:r="http://schemas.openxmlformats.org/officeDocument/2006/relationships" xmlns:p="http://schemas.openxmlformats.org/presentationml/2006/main">
   <p:cSld>
     <p:spTree>
@@ -5931,7 +5815,7 @@
 </p:sld>
 </file>
 
-<file path=ppt/slides/slide14.xml><?xml version="1.0" encoding="utf-8"?>
+<file path=ppt/slides/slide13.xml><?xml version="1.0" encoding="utf-8"?>
 <p:sld xmlns:a="http://schemas.openxmlformats.org/drawingml/2006/main" xmlns:r="http://schemas.openxmlformats.org/officeDocument/2006/relationships" xmlns:p="http://schemas.openxmlformats.org/presentationml/2006/main">
   <p:cSld>
     <p:spTree>
@@ -6051,7 +5935,7 @@
 </p:sld>
 </file>
 
-<file path=ppt/slides/slide15.xml><?xml version="1.0" encoding="utf-8"?>
+<file path=ppt/slides/slide14.xml><?xml version="1.0" encoding="utf-8"?>
 <p:sld xmlns:a="http://schemas.openxmlformats.org/drawingml/2006/main" xmlns:r="http://schemas.openxmlformats.org/officeDocument/2006/relationships" xmlns:p="http://schemas.openxmlformats.org/presentationml/2006/main">
   <p:cSld>
     <p:spTree>
@@ -6257,7 +6141,7 @@
 </p:sld>
 </file>
 
-<file path=ppt/slides/slide16.xml><?xml version="1.0" encoding="utf-8"?>
+<file path=ppt/slides/slide15.xml><?xml version="1.0" encoding="utf-8"?>
 <p:sld xmlns:a="http://schemas.openxmlformats.org/drawingml/2006/main" xmlns:r="http://schemas.openxmlformats.org/officeDocument/2006/relationships" xmlns:p="http://schemas.openxmlformats.org/presentationml/2006/main">
   <p:cSld>
     <p:spTree>
@@ -6766,7 +6650,7 @@
 </p:sld>
 </file>
 
-<file path=ppt/slides/slide17.xml><?xml version="1.0" encoding="utf-8"?>
+<file path=ppt/slides/slide16.xml><?xml version="1.0" encoding="utf-8"?>
 <p:sld xmlns:a="http://schemas.openxmlformats.org/drawingml/2006/main" xmlns:r="http://schemas.openxmlformats.org/officeDocument/2006/relationships" xmlns:p="http://schemas.openxmlformats.org/presentationml/2006/main">
   <p:cSld>
     <p:spTree>
@@ -6936,7 +6820,7 @@
 </p:sld>
 </file>
 
-<file path=ppt/slides/slide18.xml><?xml version="1.0" encoding="utf-8"?>
+<file path=ppt/slides/slide17.xml><?xml version="1.0" encoding="utf-8"?>
 <p:sld xmlns:a="http://schemas.openxmlformats.org/drawingml/2006/main" xmlns:r="http://schemas.openxmlformats.org/officeDocument/2006/relationships" xmlns:p="http://schemas.openxmlformats.org/presentationml/2006/main">
   <p:cSld>
     <p:spTree>
@@ -7140,6 +7024,132 @@
 </p:sld>
 </file>
 
+<file path=ppt/slides/slide18.xml><?xml version="1.0" encoding="utf-8"?>
+<p:sld xmlns:a="http://schemas.openxmlformats.org/drawingml/2006/main" xmlns:r="http://schemas.openxmlformats.org/officeDocument/2006/relationships" xmlns:p="http://schemas.openxmlformats.org/presentationml/2006/main">
+  <p:cSld>
+    <p:spTree>
+      <p:nvGrpSpPr>
+        <p:cNvPr id="1" name=""/>
+        <p:cNvGrpSpPr/>
+        <p:nvPr/>
+      </p:nvGrpSpPr>
+      <p:grpSpPr>
+        <a:xfrm>
+          <a:off x="0" y="0"/>
+          <a:ext cx="0" cy="0"/>
+          <a:chOff x="0" y="0"/>
+          <a:chExt cx="0" cy="0"/>
+        </a:xfrm>
+      </p:grpSpPr>
+      <p:sp>
+        <p:nvSpPr>
+          <p:cNvPr id="2" name="Title 1"/>
+          <p:cNvSpPr>
+            <a:spLocks noGrp="1"/>
+          </p:cNvSpPr>
+          <p:nvPr>
+            <p:ph type="title"/>
+          </p:nvPr>
+        </p:nvSpPr>
+        <p:spPr/>
+        <p:txBody>
+          <a:bodyPr>
+            <a:normAutofit/>
+          </a:bodyPr>
+          <a:lstStyle/>
+          <a:p>
+            <a:r>
+              <a:rPr lang="en-US" sz="6600" b="1" dirty="0" smtClean="0"/>
+              <a:t>Education Tool</a:t>
+            </a:r>
+            <a:endParaRPr lang="en-US" sz="6600" b="1" dirty="0"/>
+          </a:p>
+        </p:txBody>
+      </p:sp>
+      <p:sp>
+        <p:nvSpPr>
+          <p:cNvPr id="3" name="Content Placeholder 2"/>
+          <p:cNvSpPr>
+            <a:spLocks noGrp="1"/>
+          </p:cNvSpPr>
+          <p:nvPr>
+            <p:ph idx="1"/>
+          </p:nvPr>
+        </p:nvSpPr>
+        <p:spPr/>
+        <p:txBody>
+          <a:bodyPr>
+            <a:normAutofit/>
+          </a:bodyPr>
+          <a:lstStyle/>
+          <a:p>
+            <a:r>
+              <a:rPr lang="en-US" sz="3600" dirty="0" smtClean="0"/>
+              <a:t>Answering questions:</a:t>
+            </a:r>
+          </a:p>
+          <a:p>
+            <a:pPr lvl="1"/>
+            <a:r>
+              <a:rPr lang="en-US" sz="3200" dirty="0" smtClean="0"/>
+              <a:t>How computer </a:t>
+            </a:r>
+            <a:r>
+              <a:rPr lang="en-US" sz="3200" dirty="0" smtClean="0"/>
+              <a:t>w</a:t>
+            </a:r>
+            <a:r>
+              <a:rPr lang="en-US" sz="3200" dirty="0" smtClean="0"/>
+              <a:t>ork?</a:t>
+            </a:r>
+          </a:p>
+          <a:p>
+            <a:pPr lvl="1"/>
+            <a:r>
+              <a:rPr lang="en-US" sz="3200" dirty="0" smtClean="0"/>
+              <a:t>How do we build and setup networks?</a:t>
+            </a:r>
+          </a:p>
+          <a:p>
+            <a:pPr lvl="1"/>
+            <a:r>
+              <a:rPr lang="en-US" sz="3200" dirty="0" smtClean="0"/>
+              <a:t>How do we communicate between computers?</a:t>
+            </a:r>
+          </a:p>
+          <a:p>
+            <a:pPr lvl="1"/>
+            <a:r>
+              <a:rPr lang="en-US" sz="3200" dirty="0" smtClean="0"/>
+              <a:t>How do we</a:t>
+            </a:r>
+            <a:r>
+              <a:rPr lang="en-US" sz="3200" dirty="0" smtClean="0"/>
+              <a:t> benchmark it?</a:t>
+            </a:r>
+          </a:p>
+        </p:txBody>
+      </p:sp>
+    </p:spTree>
+    <p:extLst>
+      <p:ext uri="{BB962C8B-B14F-4D97-AF65-F5344CB8AC3E}">
+        <p14:creationId xmlns:p14="http://schemas.microsoft.com/office/powerpoint/2010/main" val="3856388052"/>
+      </p:ext>
+    </p:extLst>
+  </p:cSld>
+  <p:clrMapOvr>
+    <a:masterClrMapping/>
+  </p:clrMapOvr>
+  <p:timing>
+    <p:tnLst>
+      <p:par>
+        <p:cTn id="1" dur="indefinite" restart="never" nodeType="tmRoot"/>
+      </p:par>
+    </p:tnLst>
+  </p:timing>
+</p:sld>
+</file>
+
 <file path=ppt/slides/slide19.xml><?xml version="1.0" encoding="utf-8"?>
 <p:sld xmlns:a="http://schemas.openxmlformats.org/drawingml/2006/main" xmlns:r="http://schemas.openxmlformats.org/officeDocument/2006/relationships" xmlns:p="http://schemas.openxmlformats.org/presentationml/2006/main">
   <p:cSld>
@@ -7244,12 +7254,12 @@
           </a:p>
           <a:p>
             <a:r>
-              <a:rPr lang="en-US" sz="3200" dirty="0" err="1" smtClean="0"/>
-              <a:t>Replacemnet</a:t>
-            </a:r>
-            <a:r>
               <a:rPr lang="en-US" sz="3200" dirty="0" smtClean="0"/>
-              <a:t> ORDOID-XU4</a:t>
+              <a:t>Replacement </a:t>
+            </a:r>
+            <a:r>
+              <a:rPr lang="en-US" sz="3200" dirty="0" smtClean="0"/>
+              <a:t>ORDOID-XU4</a:t>
             </a:r>
           </a:p>
           <a:p>
@@ -7262,8 +7272,9 @@
           <a:p>
             <a:r>
               <a:rPr lang="en-US" sz="3200" dirty="0" smtClean="0"/>
-              <a:t>ODROID-XU$</a:t>
-            </a:r>
+              <a:t>ODROID-XU4</a:t>
+            </a:r>
+            <a:endParaRPr lang="en-US" sz="3200" dirty="0" smtClean="0"/>
           </a:p>
           <a:p>
             <a:pPr lvl="1"/>
@@ -8288,89 +8299,6 @@
 </p:sld>
 </file>
 
-<file path=ppt/slides/slide27.xml><?xml version="1.0" encoding="utf-8"?>
-<p:sld xmlns:a="http://schemas.openxmlformats.org/drawingml/2006/main" xmlns:r="http://schemas.openxmlformats.org/officeDocument/2006/relationships" xmlns:p="http://schemas.openxmlformats.org/presentationml/2006/main">
-  <p:cSld>
-    <p:spTree>
-      <p:nvGrpSpPr>
-        <p:cNvPr id="1" name=""/>
-        <p:cNvGrpSpPr/>
-        <p:nvPr/>
-      </p:nvGrpSpPr>
-      <p:grpSpPr>
-        <a:xfrm>
-          <a:off x="0" y="0"/>
-          <a:ext cx="0" cy="0"/>
-          <a:chOff x="0" y="0"/>
-          <a:chExt cx="0" cy="0"/>
-        </a:xfrm>
-      </p:grpSpPr>
-      <p:sp>
-        <p:nvSpPr>
-          <p:cNvPr id="2" name="Title 1"/>
-          <p:cNvSpPr>
-            <a:spLocks noGrp="1"/>
-          </p:cNvSpPr>
-          <p:nvPr>
-            <p:ph type="title"/>
-          </p:nvPr>
-        </p:nvSpPr>
-        <p:spPr/>
-        <p:txBody>
-          <a:bodyPr/>
-          <a:lstStyle/>
-          <a:p>
-            <a:r>
-              <a:rPr lang="en-US" dirty="0" smtClean="0"/>
-              <a:t>Education Tool</a:t>
-            </a:r>
-            <a:endParaRPr lang="en-US" dirty="0"/>
-          </a:p>
-        </p:txBody>
-      </p:sp>
-      <p:sp>
-        <p:nvSpPr>
-          <p:cNvPr id="3" name="Content Placeholder 2"/>
-          <p:cNvSpPr>
-            <a:spLocks noGrp="1"/>
-          </p:cNvSpPr>
-          <p:nvPr>
-            <p:ph idx="1"/>
-          </p:nvPr>
-        </p:nvSpPr>
-        <p:spPr/>
-        <p:txBody>
-          <a:bodyPr/>
-          <a:lstStyle/>
-          <a:p>
-            <a:r>
-              <a:rPr lang="en-US" dirty="0" err="1" smtClean="0"/>
-              <a:t>lsdkfjsldakjf</a:t>
-            </a:r>
-            <a:endParaRPr lang="en-US" dirty="0"/>
-          </a:p>
-        </p:txBody>
-      </p:sp>
-    </p:spTree>
-    <p:extLst>
-      <p:ext uri="{BB962C8B-B14F-4D97-AF65-F5344CB8AC3E}">
-        <p14:creationId xmlns:p14="http://schemas.microsoft.com/office/powerpoint/2010/main" val="3856388052"/>
-      </p:ext>
-    </p:extLst>
-  </p:cSld>
-  <p:clrMapOvr>
-    <a:masterClrMapping/>
-  </p:clrMapOvr>
-  <p:timing>
-    <p:tnLst>
-      <p:par>
-        <p:cTn id="1" dur="indefinite" restart="never" nodeType="tmRoot"/>
-      </p:par>
-    </p:tnLst>
-  </p:timing>
-</p:sld>
-</file>
-
 <file path=ppt/slides/slide3.xml><?xml version="1.0" encoding="utf-8"?>
 <p:sld xmlns:a="http://schemas.openxmlformats.org/drawingml/2006/main" xmlns:r="http://schemas.openxmlformats.org/officeDocument/2006/relationships" xmlns:p="http://schemas.openxmlformats.org/presentationml/2006/main">
   <p:cSld>
@@ -8718,26 +8646,17 @@
           <a:p>
             <a:r>
               <a:rPr lang="en-US" sz="2500" dirty="0" smtClean="0"/>
-              <a:t>Routing </a:t>
-            </a:r>
+              <a:t>Routing Tables</a:t>
+            </a:r>
+          </a:p>
+          <a:p>
+            <a:endParaRPr lang="en-US" sz="2500" dirty="0" smtClean="0"/>
+          </a:p>
+          <a:p>
             <a:r>
               <a:rPr lang="en-US" sz="2500" dirty="0" smtClean="0"/>
-              <a:t>Tables</a:t>
-            </a:r>
-          </a:p>
-          <a:p>
-            <a:endParaRPr lang="en-US" sz="2500" dirty="0" smtClean="0"/>
-          </a:p>
-          <a:p>
-            <a:r>
-              <a:rPr lang="en-US" sz="2500" dirty="0" smtClean="0"/>
-              <a:t>USB to </a:t>
-            </a:r>
-            <a:r>
-              <a:rPr lang="en-US" sz="2500" dirty="0" smtClean="0"/>
-              <a:t>Ethernet</a:t>
-            </a:r>
-            <a:endParaRPr lang="en-US" sz="2500" dirty="0" smtClean="0"/>
+              <a:t>USB to Ethernet</a:t>
+            </a:r>
           </a:p>
           <a:p>
             <a:endParaRPr lang="en-US" sz="2500" dirty="0" smtClean="0"/>
@@ -8830,35 +8749,27 @@
           <a:p>
             <a:r>
               <a:rPr lang="en-US" sz="3200" dirty="0" smtClean="0"/>
-              <a:t>Benchmark </a:t>
-            </a:r>
+              <a:t>Benchmark LINPACK on multiple number of devices</a:t>
+            </a:r>
+          </a:p>
+          <a:p>
+            <a:endParaRPr lang="en-US" sz="3200" dirty="0" smtClean="0"/>
+          </a:p>
+          <a:p>
+            <a:r>
+              <a:rPr lang="en-US" sz="3200" dirty="0" smtClean="0"/>
+              <a:t>Compared cluster to i7</a:t>
+            </a:r>
+          </a:p>
+          <a:p>
+            <a:endParaRPr lang="en-US" sz="3200" dirty="0" smtClean="0"/>
+          </a:p>
+          <a:p>
             <a:r>
               <a:rPr lang="en-US" sz="3200" dirty="0" smtClean="0"/>
               <a:t>LINPACK </a:t>
             </a:r>
             <a:r>
-              <a:rPr lang="en-US" sz="3200" dirty="0" smtClean="0"/>
-              <a:t>on multiple number of devices</a:t>
-            </a:r>
-          </a:p>
-          <a:p>
-            <a:endParaRPr lang="en-US" sz="3200" dirty="0" smtClean="0"/>
-          </a:p>
-          <a:p>
-            <a:r>
-              <a:rPr lang="en-US" sz="3200" dirty="0" smtClean="0"/>
-              <a:t>Compared cluster to i7</a:t>
-            </a:r>
-          </a:p>
-          <a:p>
-            <a:endParaRPr lang="en-US" sz="3200" dirty="0" smtClean="0"/>
-          </a:p>
-          <a:p>
-            <a:r>
-              <a:rPr lang="en-US" sz="3200" dirty="0" smtClean="0"/>
-              <a:t>LINPACK </a:t>
-            </a:r>
-            <a:r>
               <a:rPr lang="en-US" sz="3200" dirty="0" err="1" smtClean="0"/>
               <a:t>Debian</a:t>
             </a:r>
@@ -8873,11 +8784,7 @@
           <a:p>
             <a:r>
               <a:rPr lang="en-US" sz="3200" dirty="0" smtClean="0"/>
-              <a:t>USB </a:t>
-            </a:r>
-            <a:r>
-              <a:rPr lang="en-US" sz="3200" dirty="0" smtClean="0"/>
-              <a:t>and GPIO</a:t>
+              <a:t>USB and GPIO</a:t>
             </a:r>
           </a:p>
           <a:p>
@@ -8957,11 +8864,7 @@
           <a:p>
             <a:r>
               <a:rPr lang="en-US" sz="3200" dirty="0" smtClean="0"/>
-              <a:t>MICS </a:t>
-            </a:r>
-            <a:r>
-              <a:rPr lang="en-US" sz="3200" dirty="0" smtClean="0"/>
-              <a:t>Conference</a:t>
+              <a:t>MICS Conference</a:t>
             </a:r>
           </a:p>
           <a:p>
@@ -9332,18 +9235,66 @@
           <a:bodyPr/>
           <a:lstStyle/>
           <a:p>
-            <a:endParaRPr lang="en-US"/>
+            <a:r>
+              <a:rPr lang="en-US" sz="6600" b="1" dirty="0" smtClean="0"/>
+              <a:t>GPIO</a:t>
+            </a:r>
+            <a:endParaRPr lang="en-US" sz="6600" b="1" dirty="0"/>
+          </a:p>
+        </p:txBody>
+      </p:sp>
+      <p:sp>
+        <p:nvSpPr>
+          <p:cNvPr id="3" name="Content Placeholder 2"/>
+          <p:cNvSpPr>
+            <a:spLocks noGrp="1"/>
+          </p:cNvSpPr>
+          <p:nvPr>
+            <p:ph sz="half" idx="1"/>
+          </p:nvPr>
+        </p:nvSpPr>
+        <p:spPr/>
+        <p:txBody>
+          <a:bodyPr>
+            <a:normAutofit/>
+          </a:bodyPr>
+          <a:lstStyle/>
+          <a:p>
+            <a:r>
+              <a:rPr lang="en-US" sz="3200" dirty="0" err="1" smtClean="0"/>
+              <a:t>WiringPi</a:t>
+            </a:r>
+            <a:endParaRPr lang="en-US" sz="3200" dirty="0" smtClean="0"/>
+          </a:p>
+          <a:p>
+            <a:endParaRPr lang="en-US" sz="3200" dirty="0" smtClean="0"/>
+          </a:p>
+          <a:p>
+            <a:r>
+              <a:rPr lang="en-US" sz="3200" dirty="0" smtClean="0"/>
+              <a:t>Pins connected</a:t>
+            </a:r>
+          </a:p>
+          <a:p>
+            <a:endParaRPr lang="en-US" sz="3200" dirty="0" smtClean="0"/>
+          </a:p>
+          <a:p>
+            <a:r>
+              <a:rPr lang="en-US" sz="3200" dirty="0" smtClean="0"/>
+              <a:t>Results</a:t>
+            </a:r>
+            <a:endParaRPr lang="en-US" sz="3200" dirty="0"/>
           </a:p>
         </p:txBody>
       </p:sp>
       <p:pic>
         <p:nvPicPr>
-          <p:cNvPr id="5" name="Content Placeholder 4"/>
+          <p:cNvPr id="6" name="Content Placeholder 4"/>
           <p:cNvPicPr>
             <a:picLocks noGrp="1" noChangeAspect="1"/>
           </p:cNvPicPr>
           <p:nvPr>
-            <p:ph idx="1"/>
+            <p:ph sz="half" idx="2"/>
           </p:nvPr>
         </p:nvPicPr>
         <p:blipFill>
@@ -9360,7 +9311,7 @@
         </p:blipFill>
         <p:spPr>
           <a:xfrm>
-            <a:off x="3636671" y="1805305"/>
+            <a:off x="6303671" y="1825625"/>
             <a:ext cx="4918657" cy="4351338"/>
           </a:xfrm>
           <a:prstGeom prst="rect">
@@ -9401,7 +9352,7 @@
     </p:spTree>
     <p:extLst>
       <p:ext uri="{BB962C8B-B14F-4D97-AF65-F5344CB8AC3E}">
-        <p14:creationId xmlns:p14="http://schemas.microsoft.com/office/powerpoint/2010/main" val="1311997597"/>
+        <p14:creationId xmlns:p14="http://schemas.microsoft.com/office/powerpoint/2010/main" val="1484159433"/>
       </p:ext>
     </p:extLst>
   </p:cSld>
@@ -9447,24 +9398,64 @@
         </p:nvSpPr>
         <p:spPr/>
         <p:txBody>
-          <a:bodyPr/>
-          <a:lstStyle/>
-          <a:p>
-            <a:endParaRPr lang="en-US"/>
+          <a:bodyPr>
+            <a:normAutofit/>
+          </a:bodyPr>
+          <a:lstStyle/>
+          <a:p>
+            <a:r>
+              <a:rPr lang="en-US" sz="6600" b="1" dirty="0" smtClean="0"/>
+              <a:t>Star Topology</a:t>
+            </a:r>
+            <a:endParaRPr lang="en-US" sz="6600" b="1" dirty="0"/>
+          </a:p>
+        </p:txBody>
+      </p:sp>
+      <p:sp>
+        <p:nvSpPr>
+          <p:cNvPr id="3" name="Content Placeholder 2"/>
+          <p:cNvSpPr>
+            <a:spLocks noGrp="1"/>
+          </p:cNvSpPr>
+          <p:nvPr>
+            <p:ph sz="half" idx="1"/>
+          </p:nvPr>
+        </p:nvSpPr>
+        <p:spPr/>
+        <p:txBody>
+          <a:bodyPr>
+            <a:normAutofit/>
+          </a:bodyPr>
+          <a:lstStyle/>
+          <a:p>
+            <a:r>
+              <a:rPr lang="en-US" sz="3200" dirty="0" smtClean="0"/>
+              <a:t>Initial setup</a:t>
+            </a:r>
+          </a:p>
+          <a:p>
+            <a:endParaRPr lang="en-US" sz="3200" dirty="0" smtClean="0"/>
+          </a:p>
+          <a:p>
+            <a:r>
+              <a:rPr lang="en-US" sz="3200" dirty="0" smtClean="0"/>
+              <a:t>Each dwarf connected to an unmanaged switch</a:t>
+            </a:r>
+            <a:endParaRPr lang="en-US" sz="3200" dirty="0"/>
           </a:p>
         </p:txBody>
       </p:sp>
       <p:pic>
         <p:nvPicPr>
-          <p:cNvPr id="4" name="Content Placeholder 3"/>
+          <p:cNvPr id="5" name="Content Placeholder 4"/>
           <p:cNvPicPr>
             <a:picLocks noGrp="1" noChangeAspect="1"/>
           </p:cNvPicPr>
           <p:nvPr>
-            <p:ph idx="1"/>
+            <p:ph sz="half" idx="2"/>
           </p:nvPr>
         </p:nvPicPr>
-        <p:blipFill>
+        <p:blipFill rotWithShape="1">
           <a:blip r:embed="rId3">
             <a:extLst>
               <a:ext uri="{28A0092B-C50C-407E-A947-70E740481C1C}">
@@ -9472,14 +9463,13 @@
               </a:ext>
             </a:extLst>
           </a:blip>
-          <a:stretch>
-            <a:fillRect/>
-          </a:stretch>
+          <a:srcRect l="-3466" t="-1804" r="-3393" b="-1864"/>
+          <a:stretch/>
         </p:blipFill>
         <p:spPr>
           <a:xfrm>
-            <a:off x="1422400" y="1917684"/>
-            <a:ext cx="9347200" cy="4196274"/>
+            <a:off x="6990080" y="507683"/>
+            <a:ext cx="3759200" cy="5669280"/>
           </a:xfrm>
           <a:prstGeom prst="rect">
             <a:avLst/>
@@ -9519,7 +9509,7 @@
     </p:spTree>
     <p:extLst>
       <p:ext uri="{BB962C8B-B14F-4D97-AF65-F5344CB8AC3E}">
-        <p14:creationId xmlns:p14="http://schemas.microsoft.com/office/powerpoint/2010/main" val="2031152205"/>
+        <p14:creationId xmlns:p14="http://schemas.microsoft.com/office/powerpoint/2010/main" val="1690296771"/>
       </p:ext>
     </p:extLst>
   </p:cSld>

--- a/Documents/ClientPresent3FOREAL.pptx
+++ b/Documents/ClientPresent3FOREAL.pptx
@@ -233,7 +233,7 @@
           <a:p>
             <a:fld id="{A190CE02-652C-454C-AD8F-CA01EDD078EE}" type="datetimeFigureOut">
               <a:rPr lang="en-US" smtClean="0"/>
-              <a:t>3/23/2016</a:t>
+              <a:t>3/24/2016</a:t>
             </a:fld>
             <a:endParaRPr lang="en-US"/>
           </a:p>
@@ -2579,7 +2579,7 @@
           <a:p>
             <a:fld id="{7A02A13A-248D-459A-9C6F-19761A2FC98F}" type="datetimeFigureOut">
               <a:rPr lang="en-US" smtClean="0"/>
-              <a:t>3/23/2016</a:t>
+              <a:t>3/24/2016</a:t>
             </a:fld>
             <a:endParaRPr lang="en-US"/>
           </a:p>
@@ -2749,7 +2749,7 @@
           <a:p>
             <a:fld id="{7A02A13A-248D-459A-9C6F-19761A2FC98F}" type="datetimeFigureOut">
               <a:rPr lang="en-US" smtClean="0"/>
-              <a:t>3/23/2016</a:t>
+              <a:t>3/24/2016</a:t>
             </a:fld>
             <a:endParaRPr lang="en-US"/>
           </a:p>
@@ -2929,7 +2929,7 @@
           <a:p>
             <a:fld id="{7A02A13A-248D-459A-9C6F-19761A2FC98F}" type="datetimeFigureOut">
               <a:rPr lang="en-US" smtClean="0"/>
-              <a:t>3/23/2016</a:t>
+              <a:t>3/24/2016</a:t>
             </a:fld>
             <a:endParaRPr lang="en-US"/>
           </a:p>
@@ -3099,7 +3099,7 @@
           <a:p>
             <a:fld id="{7A02A13A-248D-459A-9C6F-19761A2FC98F}" type="datetimeFigureOut">
               <a:rPr lang="en-US" smtClean="0"/>
-              <a:t>3/23/2016</a:t>
+              <a:t>3/24/2016</a:t>
             </a:fld>
             <a:endParaRPr lang="en-US"/>
           </a:p>
@@ -3345,7 +3345,7 @@
           <a:p>
             <a:fld id="{7A02A13A-248D-459A-9C6F-19761A2FC98F}" type="datetimeFigureOut">
               <a:rPr lang="en-US" smtClean="0"/>
-              <a:t>3/23/2016</a:t>
+              <a:t>3/24/2016</a:t>
             </a:fld>
             <a:endParaRPr lang="en-US"/>
           </a:p>
@@ -3577,7 +3577,7 @@
           <a:p>
             <a:fld id="{7A02A13A-248D-459A-9C6F-19761A2FC98F}" type="datetimeFigureOut">
               <a:rPr lang="en-US" smtClean="0"/>
-              <a:t>3/23/2016</a:t>
+              <a:t>3/24/2016</a:t>
             </a:fld>
             <a:endParaRPr lang="en-US"/>
           </a:p>
@@ -3944,7 +3944,7 @@
           <a:p>
             <a:fld id="{7A02A13A-248D-459A-9C6F-19761A2FC98F}" type="datetimeFigureOut">
               <a:rPr lang="en-US" smtClean="0"/>
-              <a:t>3/23/2016</a:t>
+              <a:t>3/24/2016</a:t>
             </a:fld>
             <a:endParaRPr lang="en-US"/>
           </a:p>
@@ -4062,7 +4062,7 @@
           <a:p>
             <a:fld id="{7A02A13A-248D-459A-9C6F-19761A2FC98F}" type="datetimeFigureOut">
               <a:rPr lang="en-US" smtClean="0"/>
-              <a:t>3/23/2016</a:t>
+              <a:t>3/24/2016</a:t>
             </a:fld>
             <a:endParaRPr lang="en-US"/>
           </a:p>
@@ -4157,7 +4157,7 @@
           <a:p>
             <a:fld id="{7A02A13A-248D-459A-9C6F-19761A2FC98F}" type="datetimeFigureOut">
               <a:rPr lang="en-US" smtClean="0"/>
-              <a:t>3/23/2016</a:t>
+              <a:t>3/24/2016</a:t>
             </a:fld>
             <a:endParaRPr lang="en-US"/>
           </a:p>
@@ -4434,7 +4434,7 @@
           <a:p>
             <a:fld id="{7A02A13A-248D-459A-9C6F-19761A2FC98F}" type="datetimeFigureOut">
               <a:rPr lang="en-US" smtClean="0"/>
-              <a:t>3/23/2016</a:t>
+              <a:t>3/24/2016</a:t>
             </a:fld>
             <a:endParaRPr lang="en-US"/>
           </a:p>
@@ -4691,7 +4691,7 @@
           <a:p>
             <a:fld id="{7A02A13A-248D-459A-9C6F-19761A2FC98F}" type="datetimeFigureOut">
               <a:rPr lang="en-US" smtClean="0"/>
-              <a:t>3/23/2016</a:t>
+              <a:t>3/24/2016</a:t>
             </a:fld>
             <a:endParaRPr lang="en-US"/>
           </a:p>
@@ -4904,7 +4904,7 @@
           <a:p>
             <a:fld id="{7A02A13A-248D-459A-9C6F-19761A2FC98F}" type="datetimeFigureOut">
               <a:rPr lang="en-US" smtClean="0"/>
-              <a:t>3/23/2016</a:t>
+              <a:t>3/24/2016</a:t>
             </a:fld>
             <a:endParaRPr lang="en-US"/>
           </a:p>
@@ -5651,8 +5651,8 @@
         </p:nvSpPr>
         <p:spPr>
           <a:xfrm>
-            <a:off x="1195364" y="1690688"/>
-            <a:ext cx="4325816" cy="369332"/>
+            <a:off x="720969" y="3044279"/>
+            <a:ext cx="4682980" cy="769441"/>
           </a:xfrm>
           <a:prstGeom prst="rect">
             <a:avLst/>
@@ -5666,8 +5666,8 @@
           <a:lstStyle/>
           <a:p>
             <a:r>
-              <a:rPr lang="en-US" dirty="0" smtClean="0"/>
-              <a:t>192.168.X.Y</a:t>
+              <a:rPr lang="en-US" sz="4400" dirty="0" smtClean="0"/>
+              <a:t>192.168.Dwarf.Port</a:t>
             </a:r>
             <a:endParaRPr lang="en-US" dirty="0"/>
           </a:p>
@@ -5722,14 +5722,16 @@
         </p:nvSpPr>
         <p:spPr/>
         <p:txBody>
-          <a:bodyPr/>
-          <a:lstStyle/>
-          <a:p>
-            <a:r>
-              <a:rPr lang="en-US" dirty="0" smtClean="0"/>
+          <a:bodyPr>
+            <a:normAutofit/>
+          </a:bodyPr>
+          <a:lstStyle/>
+          <a:p>
+            <a:r>
+              <a:rPr lang="en-US" sz="6600" b="1" dirty="0" smtClean="0"/>
               <a:t>Hypercube</a:t>
             </a:r>
-            <a:endParaRPr lang="en-US" dirty="0"/>
+            <a:endParaRPr lang="en-US" sz="6600" b="1" dirty="0"/>
           </a:p>
         </p:txBody>
       </p:sp>
@@ -7092,15 +7094,7 @@
             <a:pPr lvl="1"/>
             <a:r>
               <a:rPr lang="en-US" sz="3200" dirty="0" smtClean="0"/>
-              <a:t>How computer </a:t>
-            </a:r>
-            <a:r>
-              <a:rPr lang="en-US" sz="3200" dirty="0" smtClean="0"/>
-              <a:t>w</a:t>
-            </a:r>
-            <a:r>
-              <a:rPr lang="en-US" sz="3200" dirty="0" smtClean="0"/>
-              <a:t>ork?</a:t>
+              <a:t>How computer work?</a:t>
             </a:r>
           </a:p>
           <a:p>
@@ -7121,11 +7115,7 @@
             <a:pPr lvl="1"/>
             <a:r>
               <a:rPr lang="en-US" sz="3200" dirty="0" smtClean="0"/>
-              <a:t>How do we</a:t>
-            </a:r>
-            <a:r>
-              <a:rPr lang="en-US" sz="3200" dirty="0" smtClean="0"/>
-              <a:t> benchmark it?</a:t>
+              <a:t>How do we benchmark it?</a:t>
             </a:r>
           </a:p>
         </p:txBody>
@@ -7255,11 +7245,7 @@
           <a:p>
             <a:r>
               <a:rPr lang="en-US" sz="3200" dirty="0" smtClean="0"/>
-              <a:t>Replacement </a:t>
-            </a:r>
-            <a:r>
-              <a:rPr lang="en-US" sz="3200" dirty="0" smtClean="0"/>
-              <a:t>ORDOID-XU4</a:t>
+              <a:t>Replacement ORDOID-XU4</a:t>
             </a:r>
           </a:p>
           <a:p>
@@ -7274,7 +7260,6 @@
               <a:rPr lang="en-US" sz="3200" dirty="0" smtClean="0"/>
               <a:t>ODROID-XU4</a:t>
             </a:r>
-            <a:endParaRPr lang="en-US" sz="3200" dirty="0" smtClean="0"/>
           </a:p>
           <a:p>
             <a:pPr lvl="1"/>
